--- a/tutorial5/Graphql_With_Python_tutorial5_Slide.pptx
+++ b/tutorial5/Graphql_With_Python_tutorial5_Slide.pptx
@@ -258,7 +258,7 @@
           <a:p>
             <a:fld id="{2395C5C9-164C-46B3-A87E-7660D39D3106}" type="datetime2">
               <a:rPr lang="en-US" smtClean="0"/>
-              <a:t>Monday, August 30, 2021</a:t>
+              <a:t>Tuesday, August 31, 2021</a:t>
             </a:fld>
             <a:endParaRPr lang="en-US" dirty="0"/>
           </a:p>
@@ -461,7 +461,7 @@
           <a:p>
             <a:fld id="{5B75179A-1E2B-41AB-B400-4F1B4022FAEE}" type="datetime2">
               <a:rPr lang="en-US" smtClean="0"/>
-              <a:t>Monday, August 30, 2021</a:t>
+              <a:t>Tuesday, August 31, 2021</a:t>
             </a:fld>
             <a:endParaRPr lang="en-US"/>
           </a:p>
@@ -674,7 +674,7 @@
           <a:p>
             <a:fld id="{05681D0F-6595-4F14-8EF3-954CD87C797B}" type="datetime2">
               <a:rPr lang="en-US" smtClean="0"/>
-              <a:t>Monday, August 30, 2021</a:t>
+              <a:t>Tuesday, August 31, 2021</a:t>
             </a:fld>
             <a:endParaRPr lang="en-US"/>
           </a:p>
@@ -876,7 +876,7 @@
           <a:p>
             <a:fld id="{4DDCFF8A-AAF8-4A12-8A91-9CA0EAF6CBB9}" type="datetime2">
               <a:rPr lang="en-US" smtClean="0"/>
-              <a:t>Monday, August 30, 2021</a:t>
+              <a:t>Tuesday, August 31, 2021</a:t>
             </a:fld>
             <a:endParaRPr lang="en-US" dirty="0"/>
           </a:p>
@@ -1155,7 +1155,7 @@
           <a:p>
             <a:fld id="{ABCC25C3-021A-4B0B-8F70-0C181FE1CF45}" type="datetime2">
               <a:rPr lang="en-US" smtClean="0"/>
-              <a:t>Monday, August 30, 2021</a:t>
+              <a:t>Tuesday, August 31, 2021</a:t>
             </a:fld>
             <a:endParaRPr lang="en-US"/>
           </a:p>
@@ -1415,7 +1415,7 @@
           <a:p>
             <a:fld id="{0C23D88D-8CEC-4ED9-A53B-5596187D9A16}" type="datetime2">
               <a:rPr lang="en-US" smtClean="0"/>
-              <a:t>Monday, August 30, 2021</a:t>
+              <a:t>Tuesday, August 31, 2021</a:t>
             </a:fld>
             <a:endParaRPr lang="en-US"/>
           </a:p>
@@ -1831,7 +1831,7 @@
           <a:p>
             <a:fld id="{D2CCD382-DFDA-4722-A27A-59C21AD112F2}" type="datetime2">
               <a:rPr lang="en-US" smtClean="0"/>
-              <a:t>Monday, August 30, 2021</a:t>
+              <a:t>Tuesday, August 31, 2021</a:t>
             </a:fld>
             <a:endParaRPr lang="en-US"/>
           </a:p>
@@ -1976,7 +1976,7 @@
           <a:p>
             <a:fld id="{22F2A30D-1C09-413F-AAB1-38F366000715}" type="datetime2">
               <a:rPr lang="en-US" smtClean="0"/>
-              <a:t>Monday, August 30, 2021</a:t>
+              <a:t>Tuesday, August 31, 2021</a:t>
             </a:fld>
             <a:endParaRPr lang="en-US"/>
           </a:p>
@@ -2098,7 +2098,7 @@
           <a:p>
             <a:fld id="{6DB82B9C-D65E-4F64-95C3-B10F3B00F0D9}" type="datetime2">
               <a:rPr lang="en-US" smtClean="0"/>
-              <a:t>Monday, August 30, 2021</a:t>
+              <a:t>Tuesday, August 31, 2021</a:t>
             </a:fld>
             <a:endParaRPr lang="en-US"/>
           </a:p>
@@ -2421,7 +2421,7 @@
           <a:p>
             <a:fld id="{B7F5FDCC-6AAC-4A08-B9E0-3793AB5E64C3}" type="datetime2">
               <a:rPr lang="en-US" smtClean="0"/>
-              <a:t>Monday, August 30, 2021</a:t>
+              <a:t>Tuesday, August 31, 2021</a:t>
             </a:fld>
             <a:endParaRPr lang="en-US"/>
           </a:p>
@@ -2709,7 +2709,7 @@
           <a:p>
             <a:fld id="{349FE94D-439C-40F1-900E-BC07940E3988}" type="datetime2">
               <a:rPr lang="en-US" smtClean="0"/>
-              <a:t>Monday, August 30, 2021</a:t>
+              <a:t>Tuesday, August 31, 2021</a:t>
             </a:fld>
             <a:endParaRPr lang="en-US"/>
           </a:p>
@@ -2997,7 +2997,7 @@
           <a:p>
             <a:fld id="{8DEA2CF1-0EB2-4673-802D-3371233E4A77}" type="datetime2">
               <a:rPr lang="en-US" smtClean="0"/>
-              <a:t>Monday, August 30, 2021</a:t>
+              <a:t>Tuesday, August 31, 2021</a:t>
             </a:fld>
             <a:endParaRPr lang="en-US" dirty="0"/>
           </a:p>
@@ -4759,7 +4759,7 @@
           </a:bodyPr>
           <a:lstStyle/>
           <a:p>
-            <a:endParaRPr lang="en-US"/>
+            <a:endParaRPr lang="en-US" dirty="0"/>
           </a:p>
         </p:txBody>
       </p:sp>
@@ -5104,6 +5104,54 @@
           </a:bodyPr>
           <a:lstStyle/>
           <a:p>
+            <a:endParaRPr lang="en-US" dirty="0"/>
+          </a:p>
+        </p:txBody>
+      </p:sp>
+      <p:sp>
+        <p:nvSpPr>
+          <p:cNvPr id="4" name="TextBox 3">
+            <a:extLst>
+              <a:ext uri="{FF2B5EF4-FFF2-40B4-BE49-F238E27FC236}">
+                <a16:creationId xmlns:a16="http://schemas.microsoft.com/office/drawing/2014/main" id="{63A287C7-BB5A-9B48-B6AA-55DBF3433783}"/>
+              </a:ext>
+            </a:extLst>
+          </p:cNvPr>
+          <p:cNvSpPr txBox="1"/>
+          <p:nvPr/>
+        </p:nvSpPr>
+        <p:spPr>
+          <a:xfrm>
+            <a:off x="1004413" y="3059667"/>
+            <a:ext cx="7716677" cy="369332"/>
+          </a:xfrm>
+          <a:prstGeom prst="rect">
+            <a:avLst/>
+          </a:prstGeom>
+          <a:noFill/>
+        </p:spPr>
+        <p:txBody>
+          <a:bodyPr wrap="square" rtlCol="0">
+            <a:spAutoFit/>
+          </a:bodyPr>
+          <a:lstStyle/>
+          <a:p>
+            <a:r>
+              <a:rPr lang="en-US" dirty="0"/>
+              <a:t>https://</a:t>
+            </a:r>
+            <a:r>
+              <a:rPr lang="en-US" dirty="0" err="1"/>
+              <a:t>github.com</a:t>
+            </a:r>
+            <a:r>
+              <a:rPr lang="en-US" dirty="0"/>
+              <a:t>/ronidas39/</a:t>
+            </a:r>
+            <a:r>
+              <a:rPr lang="en-US" dirty="0" err="1"/>
+              <a:t>Graphql_Python</a:t>
+            </a:r>
             <a:endParaRPr lang="en-US" dirty="0"/>
           </a:p>
         </p:txBody>
